--- a/knowledge_organiser.pptx
+++ b/knowledge_organiser.pptx
@@ -3104,7 +3104,7 @@
           <a:lstStyle/>
           <a:p>
             <a:r>
-              <a:t>The Northern irish Troubles Knowledge Organiser</a:t>
+              <a:t>shakespeare's Othello Knowledge Organiser</a:t>
             </a:r>
           </a:p>
         </p:txBody>
@@ -3119,7 +3119,7 @@
         </p:nvGraphicFramePr>
         <p:xfrm>
           <a:off x="1828800" y="1828800"/>
-          <a:ext cx="5486400" cy="731520"/>
+          <a:ext cx="1828800" cy="731520"/>
         </p:xfrm>
         <a:graphic>
           <a:graphicData uri="http://schemas.openxmlformats.org/drawingml/2006/table">
@@ -3128,8 +3128,6 @@
                 <a:tableStyleId>{5C22544A-7EE6-4342-B048-85BDC9FD1C3A}</a:tableStyleId>
               </a:tblPr>
               <a:tblGrid>
-                <a:gridCol w="1828800"/>
-                <a:gridCol w="1828800"/>
                 <a:gridCol w="1828800"/>
               </a:tblGrid>
               <a:tr h="365760">
@@ -3146,32 +3144,6 @@
                   </a:txBody>
                   <a:tcPr/>
                 </a:tc>
-                <a:tc>
-                  <a:txBody>
-                    <a:bodyPr/>
-                    <a:lstStyle/>
-                    <a:p>
-                      <a:r>
-                        <a:rPr sz="600"/>
-                        <a:t>key_concepts</a:t>
-                      </a:r>
-                    </a:p>
-                  </a:txBody>
-                  <a:tcPr/>
-                </a:tc>
-                <a:tc>
-                  <a:txBody>
-                    <a:bodyPr/>
-                    <a:lstStyle/>
-                    <a:p>
-                      <a:r>
-                        <a:rPr sz="600"/>
-                        <a:t>timeline</a:t>
-                      </a:r>
-                    </a:p>
-                  </a:txBody>
-                  <a:tcPr/>
-                </a:tc>
               </a:tr>
               <a:tr h="365760">
                 <a:tc>
@@ -3183,237 +3155,70 @@
                     <a:p>
                       <a:r>
                         <a:rPr sz="600"/>
-                        <a:t>1. The Troubles: A period of ethno-nationalist conflict in Northern Ireland between 1968 and 1998.</a:t>
-                      </a:r>
-                    </a:p>
-                    <a:p>
-                      <a:r>
-                        <a:rPr sz="600"/>
-                        <a:t>2. Ulster: The traditional province of Northern Ireland, which is part of the United Kingdom.</a:t>
-                      </a:r>
-                    </a:p>
-                    <a:p>
-                      <a:r>
-                        <a:rPr sz="600"/>
-                        <a:t>3. Unionists: People who support the union of Northern Ireland with Great Britain.</a:t>
-                      </a:r>
-                    </a:p>
-                    <a:p>
-                      <a:r>
-                        <a:rPr sz="600"/>
-                        <a:t>4. Nationalists: People who want to see a united Ireland, independent from British rule.</a:t>
-                      </a:r>
-                    </a:p>
-                    <a:p>
-                      <a:r>
-                        <a:rPr sz="600"/>
-                        <a:t>5. Partition: The division of Ireland into two separate states, Northern Ireland and the Republic of Ireland, in 1921.</a:t>
-                      </a:r>
-                    </a:p>
-                    <a:p>
-                      <a:r>
-                        <a:rPr sz="600"/>
-                        <a:t>6. Civil Rights Movement: A campaign for equal rights for Catholics in Northern Ireland during the 1960s and 1970s.</a:t>
-                      </a:r>
-                    </a:p>
-                    <a:p>
-                      <a:r>
-                        <a:rPr sz="600"/>
-                        <a:t>7. Irish Republican Army (IRA): A paramilitary organization that sought to end British rule in Northern Ireland and unite it with the Republic of Ireland.</a:t>
-                      </a:r>
-                    </a:p>
-                    <a:p>
-                      <a:r>
-                        <a:rPr sz="600"/>
-                        <a:t>8. Protestant/Catholic Conflict: Tensions between Protestants and Catholics in Northern Ireland that led to violence throughout the Troubles period.</a:t>
-                      </a:r>
-                    </a:p>
-                    <a:p>
-                      <a:r>
-                        <a:rPr sz="600"/>
-                        <a:t>9. Good Friday Agreement: An agreement signed in 1998 that ended most of the violence associated with the Troubles and established a power-sharing government in Northern Ireland.</a:t>
-                      </a:r>
-                    </a:p>
-                  </a:txBody>
-                  <a:tcPr/>
-                </a:tc>
-                <a:tc>
-                  <a:txBody>
-                    <a:bodyPr/>
-                    <a:lstStyle/>
-                    <a:p/>
-                    <a:p/>
-                    <a:p>
-                      <a:r>
-                        <a:rPr sz="600"/>
-                        <a:t>1. The Troubles: A period of ethno-nationalist conflict in Northern Ireland between 1968 and 1998, primarily between unionists/loyalists (who wanted to remain part of the United Kingdom) and nationalists/republicans (who wanted Northern Ireland to become part of a united Ireland).</a:t>
+                        <a:t>Key Words and Definitions: </a:t>
                       </a:r>
                     </a:p>
                     <a:p/>
                     <a:p>
                       <a:r>
                         <a:rPr sz="600"/>
-                        <a:t>2. Unionism: A political ideology which advocates for the continued unity of Northern Ireland with the rest of the United Kingdom.</a:t>
+                        <a:t>1. Othello - A tragedy written by William Shakespeare about the downfall of a great military leader, Othello, due to his own insecurities and the manipulations of his trusted advisor, Iago.</a:t>
                       </a:r>
                     </a:p>
                     <a:p/>
                     <a:p>
                       <a:r>
                         <a:rPr sz="600"/>
-                        <a:t>3. Nationalism: A political ideology which advocates for an independent nation-state based on shared cultural identity and heritage.</a:t>
+                        <a:t>2. Tragedy - A type of literature or drama that typically involves a protagonist who suffers a catastrophic downfall due to some combination of fate, personal flaws, and external forces.</a:t>
                       </a:r>
                     </a:p>
                     <a:p/>
                     <a:p>
                       <a:r>
                         <a:rPr sz="600"/>
-                        <a:t>4. Loyalism: An extreme form of unionism which advocates for maintaining strong ties with the British Crown and opposing any move towards Irish unification.</a:t>
+                        <a:t>3. Protagonist - The main character in a story or play.</a:t>
                       </a:r>
                     </a:p>
                     <a:p/>
                     <a:p>
                       <a:r>
                         <a:rPr sz="600"/>
-                        <a:t>5. Republicanism: An extreme form of nationalism which seeks to create a united, independent republic encompassing all 32 counties of Ireland.</a:t>
+                        <a:t>4. Downfall - A sudden or dramatic decline; collapse.</a:t>
                       </a:r>
                     </a:p>
                     <a:p/>
                     <a:p>
                       <a:r>
                         <a:rPr sz="600"/>
-                        <a:t>6. The Good Friday Agreement: An international agreement signed in 1998 that brought an end to the Troubles and established a power-sharing government in Northern Ireland.</a:t>
+                        <a:t>5. Fate - The power believed to control what will happen in the future; destiny.</a:t>
                       </a:r>
                     </a:p>
                     <a:p/>
                     <a:p>
                       <a:r>
                         <a:rPr sz="600"/>
-                        <a:t>7. The Provisional IRA: A paramilitary organization active during the Troubles which sought to remove British rule from Northern Ireland by force and establish a united Irish Republic. </a:t>
+                        <a:t>6. Personal Flaws - Characteristics or traits that lead to one's downfall or misfortune.</a:t>
                       </a:r>
                     </a:p>
                     <a:p/>
                     <a:p>
                       <a:r>
                         <a:rPr sz="600"/>
-                        <a:t>8. The Ulster Defence Association (UDA): A loyalist paramilitary organization active during the Troubles which sought to maintain British rule in Northern Ireland by force and oppose any move towards Irish unification. </a:t>
+                        <a:t>7. External Forces - Influences from outside sources that affect an individual's decisions and actions. </a:t>
                       </a:r>
                     </a:p>
                     <a:p/>
                     <a:p>
                       <a:r>
                         <a:rPr sz="600"/>
-                        <a:t>9. Sectarianism: Prejudice or discrimination based on religious differences between Catholics and Protestants in Northern Ireland. </a:t>
+                        <a:t>8. Manipulation - The act of controlling or influencing someone for one's own gain or advantage. </a:t>
                       </a:r>
                     </a:p>
                     <a:p/>
                     <a:p>
                       <a:r>
                         <a:rPr sz="600"/>
-                        <a:t>10. Discrimination: Unfair treatment or prejudice against certain groups based on race, gender, religion, etc.</a:t>
-                      </a:r>
-                    </a:p>
-                  </a:txBody>
-                  <a:tcPr/>
-                </a:tc>
-                <a:tc>
-                  <a:txBody>
-                    <a:bodyPr/>
-                    <a:lstStyle/>
-                    <a:p/>
-                    <a:p/>
-                    <a:p>
-                      <a:r>
-                        <a:rPr sz="600"/>
-                        <a:t>1970: The British government suspends the Northern Ireland Parliament and introduces direct rule from London.</a:t>
-                      </a:r>
-                    </a:p>
-                    <a:p/>
-                    <a:p>
-                      <a:r>
-                        <a:rPr sz="600"/>
-                        <a:t>1971: Internment without trial is introduced in Northern Ireland. </a:t>
-                      </a:r>
-                    </a:p>
-                    <a:p/>
-                    <a:p>
-                      <a:r>
-                        <a:rPr sz="600"/>
-                        <a:t>1972: Bloody Sunday massacre occurs in Derry, resulting in 14 civilian deaths. </a:t>
-                      </a:r>
-                    </a:p>
-                    <a:p/>
-                    <a:p>
-                      <a:r>
-                        <a:rPr sz="600"/>
-                        <a:t>1973: Sunningdale Agreement is signed by the British and Irish governments, leading to the formation of a power-sharing executive in Northern Ireland. </a:t>
-                      </a:r>
-                    </a:p>
-                    <a:p/>
-                    <a:p>
-                      <a:r>
-                        <a:rPr sz="600"/>
-                        <a:t>1974: Ulster Workers' Council Strike leads to the collapse of the power-sharing executive. </a:t>
-                      </a:r>
-                    </a:p>
-                    <a:p/>
-                    <a:p>
-                      <a:r>
-                        <a:rPr sz="600"/>
-                        <a:t>1975: Provisional IRA announces a ceasefire. </a:t>
-                      </a:r>
-                    </a:p>
-                    <a:p/>
-                    <a:p>
-                      <a:r>
-                        <a:rPr sz="600"/>
-                        <a:t>1976: The British government passes the Fair Employment Act, which aims to reduce discrimination against Catholics in employment. </a:t>
-                      </a:r>
-                    </a:p>
-                    <a:p/>
-                    <a:p>
-                      <a:r>
-                        <a:rPr sz="600"/>
-                        <a:t>1979: The European Court of Human Rights finds that Britain has violated human rights laws in its treatment of internees during internment without trial. </a:t>
-                      </a:r>
-                    </a:p>
-                    <a:p/>
-                    <a:p>
-                      <a:r>
-                        <a:rPr sz="600"/>
-                        <a:t>1981: Bobby Sands becomes the first hunger striker to die in prison. </a:t>
-                      </a:r>
-                    </a:p>
-                    <a:p/>
-                    <a:p>
-                      <a:r>
-                        <a:rPr sz="600"/>
-                        <a:t>1985: Anglo-Irish Agreement is signed between Britain and Ireland, giving Dublin an advisory role in Northern Irish affairs. </a:t>
-                      </a:r>
-                    </a:p>
-                    <a:p/>
-                    <a:p>
-                      <a:r>
-                        <a:rPr sz="600"/>
-                        <a:t>1994: IRA declares a ceasefire after 25 years of violence. </a:t>
-                      </a:r>
-                    </a:p>
-                    <a:p>
-                      <a:r>
-                        <a:rPr sz="600"/>
-                        <a:t>1998: Good Friday Agreement is signed, establishing a devolved power-sharing government in Northern Ireland and providing for cross-border cooperation with the Republic of Ireland. </a:t>
-                      </a:r>
-                    </a:p>
-                    <a:p/>
-                    <a:p>
-                      <a:r>
-                        <a:rPr sz="600"/>
-                        <a:t>2006: Sinn Fein agrees to support policing and justice powers being transferred from London to Belfast. </a:t>
-                      </a:r>
-                    </a:p>
-                    <a:p>
-                      <a:r>
-                        <a:rPr sz="600"/>
-                        <a:t>2008: Devolved power-sharing government is restored following a period of suspension due to disputes between political parties.</a:t>
+                        <a:t>9. Iago - Othello's trusted advisor who is secretly manipulating him for his own gain and revenge against Othello for not promoting him to a higher rank in the military.</a:t>
                       </a:r>
                     </a:p>
                   </a:txBody>

--- a/knowledge_organiser.pptx
+++ b/knowledge_organiser.pptx
@@ -6,6 +6,7 @@
   </p:sldMasterIdLst>
   <p:sldIdLst>
     <p:sldId id="256" r:id="rId7"/>
+    <p:sldId id="257" r:id="rId8"/>
   </p:sldIdLst>
   <p:sldSz cx="9144000" cy="6858000" type="screen4x3"/>
   <p:notesSz cx="6858000" cy="9144000"/>
@@ -3104,7 +3105,7 @@
           <a:lstStyle/>
           <a:p>
             <a:r>
-              <a:t>shakespeare's Othello Knowledge Organiser</a:t>
+              <a:t>Great Expectations Knowledge Organiser</a:t>
             </a:r>
           </a:p>
         </p:txBody>
@@ -3119,7 +3120,7 @@
         </p:nvGraphicFramePr>
         <p:xfrm>
           <a:off x="1828800" y="1828800"/>
-          <a:ext cx="1828800" cy="731520"/>
+          <a:ext cx="10972800" cy="731520"/>
         </p:xfrm>
         <a:graphic>
           <a:graphicData uri="http://schemas.openxmlformats.org/drawingml/2006/table">
@@ -3129,6 +3130,11 @@
               </a:tblPr>
               <a:tblGrid>
                 <a:gridCol w="1828800"/>
+                <a:gridCol w="1828800"/>
+                <a:gridCol w="1828800"/>
+                <a:gridCol w="1828800"/>
+                <a:gridCol w="1828800"/>
+                <a:gridCol w="1828800"/>
               </a:tblGrid>
               <a:tr h="365760">
                 <a:tc>
@@ -3139,6 +3145,71 @@
                       <a:r>
                         <a:rPr sz="600"/>
                         <a:t>key_words</a:t>
+                      </a:r>
+                    </a:p>
+                  </a:txBody>
+                  <a:tcPr/>
+                </a:tc>
+                <a:tc>
+                  <a:txBody>
+                    <a:bodyPr/>
+                    <a:lstStyle/>
+                    <a:p>
+                      <a:r>
+                        <a:rPr sz="600"/>
+                        <a:t>key_concepts</a:t>
+                      </a:r>
+                    </a:p>
+                  </a:txBody>
+                  <a:tcPr/>
+                </a:tc>
+                <a:tc>
+                  <a:txBody>
+                    <a:bodyPr/>
+                    <a:lstStyle/>
+                    <a:p>
+                      <a:r>
+                        <a:rPr sz="600"/>
+                        <a:t>timeline</a:t>
+                      </a:r>
+                    </a:p>
+                  </a:txBody>
+                  <a:tcPr/>
+                </a:tc>
+                <a:tc>
+                  <a:txBody>
+                    <a:bodyPr/>
+                    <a:lstStyle/>
+                    <a:p>
+                      <a:r>
+                        <a:rPr sz="600"/>
+                        <a:t>characters</a:t>
+                      </a:r>
+                    </a:p>
+                  </a:txBody>
+                  <a:tcPr/>
+                </a:tc>
+                <a:tc>
+                  <a:txBody>
+                    <a:bodyPr/>
+                    <a:lstStyle/>
+                    <a:p>
+                      <a:r>
+                        <a:rPr sz="600"/>
+                        <a:t>characters_quotes</a:t>
+                      </a:r>
+                    </a:p>
+                  </a:txBody>
+                  <a:tcPr/>
+                </a:tc>
+                <a:tc>
+                  <a:txBody>
+                    <a:bodyPr/>
+                    <a:lstStyle/>
+                    <a:p>
+                      <a:r>
+                        <a:rPr sz="600"/>
+                        <a:t>dramatic_devices</a:t>
                       </a:r>
                     </a:p>
                   </a:txBody>
@@ -3162,63 +3233,952 @@
                     <a:p>
                       <a:r>
                         <a:rPr sz="600"/>
-                        <a:t>1. Othello - A tragedy written by William Shakespeare about the downfall of a great military leader, Othello, due to his own insecurities and the manipulations of his trusted advisor, Iago.</a:t>
-                      </a:r>
-                    </a:p>
-                    <a:p/>
-                    <a:p>
-                      <a:r>
-                        <a:rPr sz="600"/>
-                        <a:t>2. Tragedy - A type of literature or drama that typically involves a protagonist who suffers a catastrophic downfall due to some combination of fate, personal flaws, and external forces.</a:t>
-                      </a:r>
-                    </a:p>
-                    <a:p/>
-                    <a:p>
-                      <a:r>
-                        <a:rPr sz="600"/>
-                        <a:t>3. Protagonist - The main character in a story or play.</a:t>
-                      </a:r>
-                    </a:p>
-                    <a:p/>
-                    <a:p>
-                      <a:r>
-                        <a:rPr sz="600"/>
-                        <a:t>4. Downfall - A sudden or dramatic decline; collapse.</a:t>
-                      </a:r>
-                    </a:p>
-                    <a:p/>
-                    <a:p>
-                      <a:r>
-                        <a:rPr sz="600"/>
-                        <a:t>5. Fate - The power believed to control what will happen in the future; destiny.</a:t>
-                      </a:r>
-                    </a:p>
-                    <a:p/>
-                    <a:p>
-                      <a:r>
-                        <a:rPr sz="600"/>
-                        <a:t>6. Personal Flaws - Characteristics or traits that lead to one's downfall or misfortune.</a:t>
-                      </a:r>
-                    </a:p>
-                    <a:p/>
-                    <a:p>
-                      <a:r>
-                        <a:rPr sz="600"/>
-                        <a:t>7. External Forces - Influences from outside sources that affect an individual's decisions and actions. </a:t>
-                      </a:r>
-                    </a:p>
-                    <a:p/>
-                    <a:p>
-                      <a:r>
-                        <a:rPr sz="600"/>
-                        <a:t>8. Manipulation - The act of controlling or influencing someone for one's own gain or advantage. </a:t>
-                      </a:r>
-                    </a:p>
-                    <a:p/>
-                    <a:p>
-                      <a:r>
-                        <a:rPr sz="600"/>
-                        <a:t>9. Iago - Othello's trusted advisor who is secretly manipulating him for his own gain and revenge against Othello for not promoting him to a higher rank in the military.</a:t>
+                        <a:t>1. Great Expectations - A novel written by Charles Dickens, published in 1861, about the orphan Pip's journey from a poor blacksmith's apprentice to a gentleman with great expectations of wealth.</a:t>
+                      </a:r>
+                    </a:p>
+                    <a:p/>
+                    <a:p>
+                      <a:r>
+                        <a:rPr sz="600"/>
+                        <a:t>2. Pip - The protagonist of Great Expectations, an orphan who is taken in by his sister and her husband Joe Gargery, a blacksmith.</a:t>
+                      </a:r>
+                    </a:p>
+                    <a:p/>
+                    <a:p>
+                      <a:r>
+                        <a:rPr sz="600"/>
+                        <a:t>3. Estella - An upper-class girl whom Pip falls in love with, despite her coldness towards him.</a:t>
+                      </a:r>
+                    </a:p>
+                    <a:p/>
+                    <a:p>
+                      <a:r>
+                        <a:rPr sz="600"/>
+                        <a:t>4. Miss Havisham - A wealthy spinster who takes Pip in as a companion for her adopted daughter Estella and manipulates them both.</a:t>
+                      </a:r>
+                    </a:p>
+                    <a:p/>
+                    <a:p>
+                      <a:r>
+                        <a:rPr sz="600"/>
+                        <a:t>5. Magwitch - A convict whom Pip meets on the marshes outside London and helps escape; he later turns out to be Pip’s benefactor. </a:t>
+                      </a:r>
+                    </a:p>
+                    <a:p/>
+                    <a:p>
+                      <a:r>
+                        <a:rPr sz="600"/>
+                        <a:t>6. Joe Gargery - Pip’s brother-in-law and guardian, a kindhearted blacksmith who takes care of Pip after his parents die. </a:t>
+                      </a:r>
+                    </a:p>
+                    <a:p/>
+                    <a:p>
+                      <a:r>
+                        <a:rPr sz="600"/>
+                        <a:t>7. Jaggers - A lawyer who informs Pip that he has been given a large fortune by an anonymous benefactor; he later reveals that the benefactor is Magwitch. </a:t>
+                      </a:r>
+                    </a:p>
+                    <a:p/>
+                    <a:p>
+                      <a:r>
+                        <a:rPr sz="600"/>
+                        <a:t>8. Herbert Pocket - A friend of Pip’s from London who helps him navigate high society and find employment. </a:t>
+                      </a:r>
+                    </a:p>
+                    <a:p/>
+                    <a:p>
+                      <a:r>
+                        <a:rPr sz="600"/>
+                        <a:t>9. Satis House - Miss Havisham’s estate where she lives in seclusion after being jilted at the altar years before; it is also where Pip first meets Estella. </a:t>
+                      </a:r>
+                    </a:p>
+                    <a:p/>
+                    <a:p>
+                      <a:r>
+                        <a:rPr sz="600"/>
+                        <a:t>10. Biddy - A young woman who works for Joe Gargery and becomes a close friend of Pip’s; she eventually marries Joe and takes over his business when he dies.</a:t>
+                      </a:r>
+                    </a:p>
+                  </a:txBody>
+                  <a:tcPr/>
+                </a:tc>
+                <a:tc>
+                  <a:txBody>
+                    <a:bodyPr/>
+                    <a:lstStyle/>
+                    <a:p/>
+                    <a:p/>
+                    <a:p>
+                      <a:r>
+                        <a:rPr sz="600"/>
+                        <a:t>1. Social Class: A system of categorizing people based on their economic and social status.</a:t>
+                      </a:r>
+                    </a:p>
+                    <a:p>
+                      <a:r>
+                        <a:rPr sz="600"/>
+                        <a:t>2. Industrial Revolution: A period of time in the 18th and 19th centuries when advances in technology led to a shift from manual labor to mechanized production.</a:t>
+                      </a:r>
+                    </a:p>
+                    <a:p>
+                      <a:r>
+                        <a:rPr sz="600"/>
+                        <a:t>3. Victorian Era: The period of Queen Victoria's reign in England, which lasted from 1837 to 1901.</a:t>
+                      </a:r>
+                    </a:p>
+                    <a:p>
+                      <a:r>
+                        <a:rPr sz="600"/>
+                        <a:t>4. Pip: The protagonist of Great Expectations, who is an orphaned blacksmith’s apprentice.</a:t>
+                      </a:r>
+                    </a:p>
+                    <a:p>
+                      <a:r>
+                        <a:rPr sz="600"/>
+                        <a:t>5. Estella: An upper-class girl whom Pip falls in love with and strives to impress throughout the novel.</a:t>
+                      </a:r>
+                    </a:p>
+                    <a:p>
+                      <a:r>
+                        <a:rPr sz="600"/>
+                        <a:t>6. Miss Havisham: A wealthy woman who lives in a decaying mansion and has become bitter after being jilted at the altar years before.</a:t>
+                      </a:r>
+                    </a:p>
+                    <a:p>
+                      <a:r>
+                        <a:rPr sz="600"/>
+                        <a:t>7. Magwitch: A convict who escapes from prison and takes refuge with Pip, eventually revealing himself as Pip’s benefactor.</a:t>
+                      </a:r>
+                    </a:p>
+                    <a:p>
+                      <a:r>
+                        <a:rPr sz="600"/>
+                        <a:t>8. Satis House: Miss Havisham’s home, where Pip first meets Estella and experiences the effects of class differences firsthand. </a:t>
+                      </a:r>
+                    </a:p>
+                    <a:p>
+                      <a:r>
+                        <a:rPr sz="600"/>
+                        <a:t>9. Redemption: The act of being saved or delivered from sin or guilt by making amends for one’s wrongdoings or mistakes. </a:t>
+                      </a:r>
+                    </a:p>
+                    <a:p>
+                      <a:r>
+                        <a:rPr sz="600"/>
+                        <a:t>10. Ambition: A strong desire to achieve something great or important, often driven by a need for success or recognition.</a:t>
+                      </a:r>
+                    </a:p>
+                  </a:txBody>
+                  <a:tcPr/>
+                </a:tc>
+                <a:tc>
+                  <a:txBody>
+                    <a:bodyPr/>
+                    <a:lstStyle/>
+                    <a:p/>
+                    <a:p/>
+                    <a:p>
+                      <a:r>
+                        <a:rPr sz="600"/>
+                        <a:t>1. 1775-1850: The Industrial Revolution in England and the rise of a new middle class.</a:t>
+                      </a:r>
+                    </a:p>
+                    <a:p>
+                      <a:r>
+                        <a:rPr sz="600"/>
+                        <a:t>2. 1812: Charles Dickens is born in Portsmouth, England.</a:t>
+                      </a:r>
+                    </a:p>
+                    <a:p>
+                      <a:r>
+                        <a:rPr sz="600"/>
+                        <a:t>3. 1836: Dickens publishes his first novel, The Pickwick Papers.</a:t>
+                      </a:r>
+                    </a:p>
+                    <a:p>
+                      <a:r>
+                        <a:rPr sz="600"/>
+                        <a:t>4. 1837-1839: Dickens publishes Oliver Twist, Nicholas Nickleby, and The Old Curiosity Shop.</a:t>
+                      </a:r>
+                    </a:p>
+                    <a:p>
+                      <a:r>
+                        <a:rPr sz="600"/>
+                        <a:t>5. 1860: Dickens begins writing Great Expectations.</a:t>
+                      </a:r>
+                    </a:p>
+                    <a:p>
+                      <a:r>
+                        <a:rPr sz="600"/>
+                        <a:t>6. 1861: The first installment of Great Expectations is published in All the Year Round magazine.</a:t>
+                      </a:r>
+                    </a:p>
+                    <a:p>
+                      <a:r>
+                        <a:rPr sz="600"/>
+                        <a:t>7. 1861-1862: Dickens publishes the remaining installments of Great Expectations in All the Year Round magazine.</a:t>
+                      </a:r>
+                    </a:p>
+                    <a:p>
+                      <a:r>
+                        <a:rPr sz="600"/>
+                        <a:t>8. 1862: Great Expectations is published as a novel by Chapman &amp; Hall publishers. </a:t>
+                      </a:r>
+                    </a:p>
+                    <a:p>
+                      <a:r>
+                        <a:rPr sz="600"/>
+                        <a:t>9. 1865: Charles Dickens dies at the age of 58.</a:t>
+                      </a:r>
+                    </a:p>
+                  </a:txBody>
+                  <a:tcPr/>
+                </a:tc>
+                <a:tc>
+                  <a:txBody>
+                    <a:bodyPr/>
+                    <a:lstStyle/>
+                    <a:p/>
+                    <a:p/>
+                    <a:p>
+                      <a:r>
+                        <a:rPr sz="600"/>
+                        <a:t>1. Pip - The protagonist of the novel, a young orphan boy who dreams of becoming a gentleman.</a:t>
+                      </a:r>
+                    </a:p>
+                    <a:p/>
+                    <a:p>
+                      <a:r>
+                        <a:rPr sz="600"/>
+                        <a:t>2. Joe Gargery - Pip's brother-in-law and guardian, a blacksmith with a kind heart.</a:t>
+                      </a:r>
+                    </a:p>
+                    <a:p/>
+                    <a:p>
+                      <a:r>
+                        <a:rPr sz="600"/>
+                        <a:t>3. Miss Havisham - A wealthy spinster who lives in an old mansion and was jilted at the altar many years ago.</a:t>
+                      </a:r>
+                    </a:p>
+                    <a:p/>
+                    <a:p>
+                      <a:r>
+                        <a:rPr sz="600"/>
+                        <a:t>4. Estella - Miss Havisham's adopted daughter, beautiful but cold-hearted.</a:t>
+                      </a:r>
+                    </a:p>
+                    <a:p/>
+                    <a:p>
+                      <a:r>
+                        <a:rPr sz="600"/>
+                        <a:t>5. Magwitch - An escaped convict whom Pip helps on his journey to London.</a:t>
+                      </a:r>
+                    </a:p>
+                    <a:p/>
+                    <a:p>
+                      <a:r>
+                        <a:rPr sz="600"/>
+                        <a:t>6. Jaggers - A lawyer from London who is responsible for Pip's financial affairs and has a mysterious past.</a:t>
+                      </a:r>
+                    </a:p>
+                    <a:p/>
+                    <a:p>
+                      <a:r>
+                        <a:rPr sz="600"/>
+                        <a:t>7. Wemmick - Jaggers' clerk who is also a kind friend to Pip. </a:t>
+                      </a:r>
+                    </a:p>
+                    <a:p/>
+                    <a:p>
+                      <a:r>
+                        <a:rPr sz="600"/>
+                        <a:t>8. Herbert Pocket - A gentlemanly acquaintance of Pip's who helps him adjust to life in London society. </a:t>
+                      </a:r>
+                    </a:p>
+                    <a:p/>
+                    <a:p>
+                      <a:r>
+                        <a:rPr sz="600"/>
+                        <a:t>9. Drummle - Another gentlemanly acquaintance of Pip's who is rude and arrogant. </a:t>
+                      </a:r>
+                    </a:p>
+                    <a:p/>
+                    <a:p>
+                      <a:r>
+                        <a:rPr sz="600"/>
+                        <a:t>10. Compeyson - Magwitch's former partner in crime, now a rival of sorts to Pip in London society. </a:t>
+                      </a:r>
+                    </a:p>
+                    <a:p/>
+                    <a:p>
+                      <a:r>
+                        <a:rPr sz="600"/>
+                        <a:t>11. Mrs Joe Gargery - Pip's strict sister and guardian before Joe takes over the role. </a:t>
+                      </a:r>
+                    </a:p>
+                    <a:p/>
+                    <a:p>
+                      <a:r>
+                        <a:rPr sz="600"/>
+                        <a:t>12. Biddy - A young girl from the village who befriends Pip and eventually marries Joe Gargery</a:t>
+                      </a:r>
+                    </a:p>
+                  </a:txBody>
+                  <a:tcPr/>
+                </a:tc>
+                <a:tc>
+                  <a:txBody>
+                    <a:bodyPr/>
+                    <a:lstStyle/>
+                    <a:p/>
+                    <a:p/>
+                    <a:p>
+                      <a:r>
+                        <a:rPr sz="600"/>
+                        <a:t>1. “My course is set for an unchanging sea.” – Pip </a:t>
+                      </a:r>
+                    </a:p>
+                    <a:p>
+                      <a:r>
+                        <a:rPr sz="600"/>
+                        <a:t>2. “Take nothing on its looks; take everything on evidence.” – Mr. Jaggers </a:t>
+                      </a:r>
+                    </a:p>
+                    <a:p>
+                      <a:r>
+                        <a:rPr sz="600"/>
+                        <a:t>3. “I must keep to my own course, and avoid betraying myself into any entanglement.” – Estella </a:t>
+                      </a:r>
+                    </a:p>
+                    <a:p>
+                      <a:r>
+                        <a:rPr sz="600"/>
+                        <a:t>4. “I have been bent and broken, but - I hope - into a better shape.” – Pip </a:t>
+                      </a:r>
+                    </a:p>
+                    <a:p>
+                      <a:r>
+                        <a:rPr sz="600"/>
+                        <a:t>5. “Expect nothing, and you will never be disappointed.” – Miss Havisham </a:t>
+                      </a:r>
+                    </a:p>
+                    <a:p>
+                      <a:r>
+                        <a:rPr sz="600"/>
+                        <a:t>6. “I saw that everything in the room had stopped, like the watch and the clock, a long time ago.” – Pip </a:t>
+                      </a:r>
+                    </a:p>
+                    <a:p>
+                      <a:r>
+                        <a:rPr sz="600"/>
+                        <a:t>7. “Suffering has been stronger than all other teaching, and has taught me to understand what your heart used to be.” – Magwitch </a:t>
+                      </a:r>
+                    </a:p>
+                    <a:p>
+                      <a:r>
+                        <a:rPr sz="600"/>
+                        <a:t>8. “I am not a-going to be low…I am sorry for you, and I'll say no more at present.” – Joe Gargery </a:t>
+                      </a:r>
+                    </a:p>
+                    <a:p>
+                      <a:r>
+                        <a:rPr sz="600"/>
+                        <a:t>9. “The world may not allow much for dreams!” – Wemmick </a:t>
+                      </a:r>
+                    </a:p>
+                    <a:p>
+                      <a:r>
+                        <a:rPr sz="600"/>
+                        <a:t>10. “If you can't get to be oncommon through going straight, you'll never get to do it through going crooked.” – Herbert Pocket</a:t>
+                      </a:r>
+                    </a:p>
+                  </a:txBody>
+                  <a:tcPr/>
+                </a:tc>
+                <a:tc>
+                  <a:txBody>
+                    <a:bodyPr/>
+                    <a:lstStyle/>
+                    <a:p/>
+                    <a:p/>
+                    <a:p>
+                      <a:r>
+                        <a:rPr sz="600"/>
+                        <a:t>1. Irony: Used to create tension and suspense throughout the novel, as well as emphasize certain themes. For example, Pip is given great expectations of wealth and success but his benefactor turns out to be a convict he met in the graveyard. </a:t>
+                      </a:r>
+                    </a:p>
+                    <a:p/>
+                    <a:p>
+                      <a:r>
+                        <a:rPr sz="600"/>
+                        <a:t>2. Foreshadowing: Used to hint at events that will happen later in the novel. For example, when Pip meets Magwitch in the graveyard it foreshadows his eventual role as Pip's benefactor. </a:t>
+                      </a:r>
+                    </a:p>
+                    <a:p/>
+                    <a:p>
+                      <a:r>
+                        <a:rPr sz="600"/>
+                        <a:t>3. Flashbacks: Used to provide insight into characters' pasts and reveal motivations for their current actions. For example, flashbacks are used to show how Miss Havisham was scorned by her former fiancé and how this has shaped her current behavior. </a:t>
+                      </a:r>
+                    </a:p>
+                    <a:p/>
+                    <a:p>
+                      <a:r>
+                        <a:rPr sz="600"/>
+                        <a:t>4. Characterization: Used to bring characters to life and create connections between them. For example, Estella is characterized as a cold-hearted beauty who rejects Pip's affections, while Joe Gargery is characterized as a kind-hearted blacksmith who takes care of Pip despite his own poverty. </a:t>
+                      </a:r>
+                    </a:p>
+                    <a:p/>
+                    <a:p>
+                      <a:r>
+                        <a:rPr sz="600"/>
+                        <a:t>5. Symbolism: Used to represent abstract ideas or concepts in tangible objects or characters. For example, Miss Havisham's rotting wedding dress symbolizes her frozen emotional state and refusal to move on from her past heartbreak.</a:t>
+                      </a:r>
+                    </a:p>
+                  </a:txBody>
+                  <a:tcPr/>
+                </a:tc>
+              </a:tr>
+            </a:tbl>
+          </a:graphicData>
+        </a:graphic>
+      </p:graphicFrame>
+    </p:spTree>
+  </p:cSld>
+  <p:clrMapOvr>
+    <a:masterClrMapping/>
+  </p:clrMapOvr>
+</p:sld>
+</file>
+
+<file path=ppt/slides/slide2.xml><?xml version="1.0" encoding="utf-8"?>
+<p:sld xmlns:a="http://schemas.openxmlformats.org/drawingml/2006/main" xmlns:p="http://schemas.openxmlformats.org/presentationml/2006/main" xmlns:r="http://schemas.openxmlformats.org/officeDocument/2006/relationships">
+  <p:cSld>
+    <p:spTree>
+      <p:nvGrpSpPr>
+        <p:cNvPr id="1" name=""/>
+        <p:cNvGrpSpPr/>
+        <p:nvPr/>
+      </p:nvGrpSpPr>
+      <p:grpSpPr/>
+      <p:sp>
+        <p:nvSpPr>
+          <p:cNvPr id="2" name="Title 1"/>
+          <p:cNvSpPr>
+            <a:spLocks noGrp="1"/>
+          </p:cNvSpPr>
+          <p:nvPr>
+            <p:ph type="title"/>
+          </p:nvPr>
+        </p:nvSpPr>
+        <p:spPr/>
+        <p:txBody>
+          <a:bodyPr/>
+          <a:lstStyle/>
+          <a:p>
+            <a:r>
+              <a:t>Quiz Yourself (Blanks)</a:t>
+            </a:r>
+          </a:p>
+        </p:txBody>
+      </p:sp>
+      <p:graphicFrame>
+        <p:nvGraphicFramePr>
+          <p:cNvPr id="3" name="Table 2"/>
+          <p:cNvGraphicFramePr>
+            <a:graphicFrameLocks noGrp="1"/>
+          </p:cNvGraphicFramePr>
+          <p:nvPr/>
+        </p:nvGraphicFramePr>
+        <p:xfrm>
+          <a:off x="1828800" y="1828800"/>
+          <a:ext cx="10972800" cy="731520"/>
+        </p:xfrm>
+        <a:graphic>
+          <a:graphicData uri="http://schemas.openxmlformats.org/drawingml/2006/table">
+            <a:tbl>
+              <a:tblPr firstRow="1" bandRow="1">
+                <a:tableStyleId>{5C22544A-7EE6-4342-B048-85BDC9FD1C3A}</a:tableStyleId>
+              </a:tblPr>
+              <a:tblGrid>
+                <a:gridCol w="1828800"/>
+                <a:gridCol w="1828800"/>
+                <a:gridCol w="1828800"/>
+                <a:gridCol w="1828800"/>
+                <a:gridCol w="1828800"/>
+                <a:gridCol w="1828800"/>
+              </a:tblGrid>
+              <a:tr h="365760">
+                <a:tc>
+                  <a:txBody>
+                    <a:bodyPr/>
+                    <a:lstStyle/>
+                    <a:p>
+                      <a:r>
+                        <a:rPr sz="600"/>
+                        <a:t>key_words</a:t>
+                      </a:r>
+                    </a:p>
+                  </a:txBody>
+                  <a:tcPr/>
+                </a:tc>
+                <a:tc>
+                  <a:txBody>
+                    <a:bodyPr/>
+                    <a:lstStyle/>
+                    <a:p>
+                      <a:r>
+                        <a:rPr sz="600"/>
+                        <a:t>key_concepts</a:t>
+                      </a:r>
+                    </a:p>
+                  </a:txBody>
+                  <a:tcPr/>
+                </a:tc>
+                <a:tc>
+                  <a:txBody>
+                    <a:bodyPr/>
+                    <a:lstStyle/>
+                    <a:p>
+                      <a:r>
+                        <a:rPr sz="600"/>
+                        <a:t>timeline</a:t>
+                      </a:r>
+                    </a:p>
+                  </a:txBody>
+                  <a:tcPr/>
+                </a:tc>
+                <a:tc>
+                  <a:txBody>
+                    <a:bodyPr/>
+                    <a:lstStyle/>
+                    <a:p>
+                      <a:r>
+                        <a:rPr sz="600"/>
+                        <a:t>characters</a:t>
+                      </a:r>
+                    </a:p>
+                  </a:txBody>
+                  <a:tcPr/>
+                </a:tc>
+                <a:tc>
+                  <a:txBody>
+                    <a:bodyPr/>
+                    <a:lstStyle/>
+                    <a:p>
+                      <a:r>
+                        <a:rPr sz="600"/>
+                        <a:t>characters_quotes</a:t>
+                      </a:r>
+                    </a:p>
+                  </a:txBody>
+                  <a:tcPr/>
+                </a:tc>
+                <a:tc>
+                  <a:txBody>
+                    <a:bodyPr/>
+                    <a:lstStyle/>
+                    <a:p>
+                      <a:r>
+                        <a:rPr sz="600"/>
+                        <a:t>dramatic_devices</a:t>
+                      </a:r>
+                    </a:p>
+                  </a:txBody>
+                  <a:tcPr/>
+                </a:tc>
+              </a:tr>
+              <a:tr h="365760">
+                <a:tc>
+                  <a:txBody>
+                    <a:bodyPr/>
+                    <a:lstStyle/>
+                    <a:p/>
+                    <a:p/>
+                    <a:p>
+                      <a:r>
+                        <a:rPr sz="600"/>
+                        <a:t>Great Expectations </a:t>
+                      </a:r>
+                    </a:p>
+                    <a:p>
+                      <a:r>
+                        <a:rPr sz="600"/>
+                        <a:t>Pip </a:t>
+                      </a:r>
+                    </a:p>
+                    <a:p>
+                      <a:r>
+                        <a:rPr sz="600"/>
+                        <a:t>Estella </a:t>
+                      </a:r>
+                    </a:p>
+                    <a:p>
+                      <a:r>
+                        <a:rPr sz="600"/>
+                        <a:t>Miss Havisham </a:t>
+                      </a:r>
+                    </a:p>
+                    <a:p>
+                      <a:r>
+                        <a:rPr sz="600"/>
+                        <a:t>Magwitch </a:t>
+                      </a:r>
+                    </a:p>
+                    <a:p>
+                      <a:r>
+                        <a:rPr sz="600"/>
+                        <a:t>Joe Gargery </a:t>
+                      </a:r>
+                    </a:p>
+                    <a:p>
+                      <a:r>
+                        <a:rPr sz="600"/>
+                        <a:t>Jaggers </a:t>
+                      </a:r>
+                    </a:p>
+                    <a:p>
+                      <a:r>
+                        <a:rPr sz="600"/>
+                        <a:t>Herbert Pocket </a:t>
+                      </a:r>
+                    </a:p>
+                    <a:p>
+                      <a:r>
+                        <a:rPr sz="600"/>
+                        <a:t>Satis House </a:t>
+                      </a:r>
+                    </a:p>
+                    <a:p>
+                      <a:r>
+                        <a:rPr sz="600"/>
+                        <a:t>Biddy</a:t>
+                      </a:r>
+                    </a:p>
+                  </a:txBody>
+                  <a:tcPr/>
+                </a:tc>
+                <a:tc>
+                  <a:txBody>
+                    <a:bodyPr/>
+                    <a:lstStyle/>
+                    <a:p/>
+                    <a:p/>
+                    <a:p>
+                      <a:r>
+                        <a:rPr sz="600"/>
+                        <a:t>Social Class </a:t>
+                      </a:r>
+                    </a:p>
+                    <a:p>
+                      <a:r>
+                        <a:rPr sz="600"/>
+                        <a:t>Industrial Revolution </a:t>
+                      </a:r>
+                    </a:p>
+                    <a:p>
+                      <a:r>
+                        <a:rPr sz="600"/>
+                        <a:t>Victorian Era </a:t>
+                      </a:r>
+                    </a:p>
+                    <a:p>
+                      <a:r>
+                        <a:rPr sz="600"/>
+                        <a:t>Pip </a:t>
+                      </a:r>
+                    </a:p>
+                    <a:p>
+                      <a:r>
+                        <a:rPr sz="600"/>
+                        <a:t>Estella </a:t>
+                      </a:r>
+                    </a:p>
+                    <a:p>
+                      <a:r>
+                        <a:rPr sz="600"/>
+                        <a:t>Miss Havisham </a:t>
+                      </a:r>
+                    </a:p>
+                    <a:p>
+                      <a:r>
+                        <a:rPr sz="600"/>
+                        <a:t>Magwitch </a:t>
+                      </a:r>
+                    </a:p>
+                    <a:p>
+                      <a:r>
+                        <a:rPr sz="600"/>
+                        <a:t>Satis House </a:t>
+                      </a:r>
+                    </a:p>
+                    <a:p>
+                      <a:r>
+                        <a:rPr sz="600"/>
+                        <a:t>Redemption </a:t>
+                      </a:r>
+                    </a:p>
+                    <a:p>
+                      <a:r>
+                        <a:rPr sz="600"/>
+                        <a:t>Ambition</a:t>
+                      </a:r>
+                    </a:p>
+                  </a:txBody>
+                  <a:tcPr/>
+                </a:tc>
+                <a:tc>
+                  <a:txBody>
+                    <a:bodyPr/>
+                    <a:lstStyle/>
+                    <a:p/>
+                    <a:p/>
+                    <a:p>
+                      <a:r>
+                        <a:rPr sz="600"/>
+                        <a:t>1775-1850 </a:t>
+                      </a:r>
+                    </a:p>
+                    <a:p>
+                      <a:r>
+                        <a:rPr sz="600"/>
+                        <a:t>1812 </a:t>
+                      </a:r>
+                    </a:p>
+                    <a:p>
+                      <a:r>
+                        <a:rPr sz="600"/>
+                        <a:t>1836 </a:t>
+                      </a:r>
+                    </a:p>
+                    <a:p>
+                      <a:r>
+                        <a:rPr sz="600"/>
+                        <a:t>1837-1839 </a:t>
+                      </a:r>
+                    </a:p>
+                    <a:p>
+                      <a:r>
+                        <a:rPr sz="600"/>
+                        <a:t>1860 </a:t>
+                      </a:r>
+                    </a:p>
+                    <a:p>
+                      <a:r>
+                        <a:rPr sz="600"/>
+                        <a:t>1861 </a:t>
+                      </a:r>
+                    </a:p>
+                    <a:p>
+                      <a:r>
+                        <a:rPr sz="600"/>
+                        <a:t>1861-1862 </a:t>
+                      </a:r>
+                    </a:p>
+                    <a:p>
+                      <a:r>
+                        <a:rPr sz="600"/>
+                        <a:t>1862 </a:t>
+                      </a:r>
+                    </a:p>
+                    <a:p>
+                      <a:r>
+                        <a:rPr sz="600"/>
+                        <a:t>1865</a:t>
+                      </a:r>
+                    </a:p>
+                  </a:txBody>
+                  <a:tcPr/>
+                </a:tc>
+                <a:tc>
+                  <a:txBody>
+                    <a:bodyPr/>
+                    <a:lstStyle/>
+                    <a:p/>
+                    <a:p/>
+                    <a:p>
+                      <a:r>
+                        <a:rPr sz="600"/>
+                        <a:t>Pip </a:t>
+                      </a:r>
+                    </a:p>
+                    <a:p>
+                      <a:r>
+                        <a:rPr sz="600"/>
+                        <a:t>Joe Gargery </a:t>
+                      </a:r>
+                    </a:p>
+                    <a:p>
+                      <a:r>
+                        <a:rPr sz="600"/>
+                        <a:t>Miss Havisham </a:t>
+                      </a:r>
+                    </a:p>
+                    <a:p>
+                      <a:r>
+                        <a:rPr sz="600"/>
+                        <a:t>Estella </a:t>
+                      </a:r>
+                    </a:p>
+                    <a:p>
+                      <a:r>
+                        <a:rPr sz="600"/>
+                        <a:t>Magwitch </a:t>
+                      </a:r>
+                    </a:p>
+                    <a:p>
+                      <a:r>
+                        <a:rPr sz="600"/>
+                        <a:t>Jaggers </a:t>
+                      </a:r>
+                    </a:p>
+                    <a:p>
+                      <a:r>
+                        <a:rPr sz="600"/>
+                        <a:t>Wemmick </a:t>
+                      </a:r>
+                    </a:p>
+                    <a:p>
+                      <a:r>
+                        <a:rPr sz="600"/>
+                        <a:t>Herbert Pocket </a:t>
+                      </a:r>
+                    </a:p>
+                    <a:p>
+                      <a:r>
+                        <a:rPr sz="600"/>
+                        <a:t>Drummle </a:t>
+                      </a:r>
+                    </a:p>
+                    <a:p>
+                      <a:r>
+                        <a:rPr sz="600"/>
+                        <a:t>Compeyson </a:t>
+                      </a:r>
+                    </a:p>
+                    <a:p>
+                      <a:r>
+                        <a:rPr sz="600"/>
+                        <a:t>Mrs Joe Gargery </a:t>
+                      </a:r>
+                    </a:p>
+                    <a:p>
+                      <a:r>
+                        <a:rPr sz="600"/>
+                        <a:t>Biddy</a:t>
+                      </a:r>
+                    </a:p>
+                  </a:txBody>
+                  <a:tcPr/>
+                </a:tc>
+                <a:tc>
+                  <a:txBody>
+                    <a:bodyPr/>
+                    <a:lstStyle/>
+                    <a:p/>
+                    <a:p/>
+                    <a:p>
+                      <a:r>
+                        <a:rPr sz="600"/>
+                        <a:t>1. My course </a:t>
+                      </a:r>
+                    </a:p>
+                    <a:p>
+                      <a:r>
+                        <a:rPr sz="600"/>
+                        <a:t>2. Take nothing </a:t>
+                      </a:r>
+                    </a:p>
+                    <a:p>
+                      <a:r>
+                        <a:rPr sz="600"/>
+                        <a:t>3. I must </a:t>
+                      </a:r>
+                    </a:p>
+                    <a:p>
+                      <a:r>
+                        <a:rPr sz="600"/>
+                        <a:t>4. I have been </a:t>
+                      </a:r>
+                    </a:p>
+                    <a:p>
+                      <a:r>
+                        <a:rPr sz="600"/>
+                        <a:t>5. Expect nothing </a:t>
+                      </a:r>
+                    </a:p>
+                    <a:p>
+                      <a:r>
+                        <a:rPr sz="600"/>
+                        <a:t>6. I saw that </a:t>
+                      </a:r>
+                    </a:p>
+                    <a:p>
+                      <a:r>
+                        <a:rPr sz="600"/>
+                        <a:t>7. Suffering has </a:t>
+                      </a:r>
+                    </a:p>
+                    <a:p>
+                      <a:r>
+                        <a:rPr sz="600"/>
+                        <a:t>8. I am not </a:t>
+                      </a:r>
+                    </a:p>
+                    <a:p>
+                      <a:r>
+                        <a:rPr sz="600"/>
+                        <a:t>9. The world </a:t>
+                      </a:r>
+                    </a:p>
+                    <a:p>
+                      <a:r>
+                        <a:rPr sz="600"/>
+                        <a:t>10. If you can't</a:t>
+                      </a:r>
+                    </a:p>
+                  </a:txBody>
+                  <a:tcPr/>
+                </a:tc>
+                <a:tc>
+                  <a:txBody>
+                    <a:bodyPr/>
+                    <a:lstStyle/>
+                    <a:p>
+                      <a:r>
+                        <a:rPr sz="600"/>
+                        <a:t> </a:t>
+                      </a:r>
+                    </a:p>
+                    <a:p/>
+                    <a:p>
+                      <a:r>
+                        <a:rPr sz="600"/>
+                        <a:t>1. Irony </a:t>
+                      </a:r>
+                    </a:p>
+                    <a:p>
+                      <a:r>
+                        <a:rPr sz="600"/>
+                        <a:t>2. Foreshadowing </a:t>
+                      </a:r>
+                    </a:p>
+                    <a:p>
+                      <a:r>
+                        <a:rPr sz="600"/>
+                        <a:t>3. Flashbacks </a:t>
+                      </a:r>
+                    </a:p>
+                    <a:p>
+                      <a:r>
+                        <a:rPr sz="600"/>
+                        <a:t>4. Characterization </a:t>
+                      </a:r>
+                    </a:p>
+                    <a:p>
+                      <a:r>
+                        <a:rPr sz="600"/>
+                        <a:t>5. Symbolism</a:t>
                       </a:r>
                     </a:p>
                   </a:txBody>
